--- a/Présentations/1 - Math model to MLP/RN_1.pptx
+++ b/Présentations/1 - Math model to MLP/RN_1.pptx
@@ -307,7 +307,7 @@
           <a:lstStyle/>
           <a:p>
             <a:fld id="{FC160490-1729-0543-B3C1-F32A76B1DA7A}" type="datetimeFigureOut">
-              <a:t>21/09/16</a:t>
+              <a:t>23/09/16</a:t>
             </a:fld>
             <a:endParaRPr lang="en-US"/>
           </a:p>
@@ -475,7 +475,7 @@
           <a:lstStyle/>
           <a:p>
             <a:fld id="{FC160490-1729-0543-B3C1-F32A76B1DA7A}" type="datetimeFigureOut">
-              <a:t>21/09/16</a:t>
+              <a:t>23/09/16</a:t>
             </a:fld>
             <a:endParaRPr lang="en-US"/>
           </a:p>
@@ -653,7 +653,7 @@
           <a:lstStyle/>
           <a:p>
             <a:fld id="{FC160490-1729-0543-B3C1-F32A76B1DA7A}" type="datetimeFigureOut">
-              <a:t>21/09/16</a:t>
+              <a:t>23/09/16</a:t>
             </a:fld>
             <a:endParaRPr lang="en-US"/>
           </a:p>
@@ -821,7 +821,7 @@
           <a:lstStyle/>
           <a:p>
             <a:fld id="{FC160490-1729-0543-B3C1-F32A76B1DA7A}" type="datetimeFigureOut">
-              <a:t>21/09/16</a:t>
+              <a:t>23/09/16</a:t>
             </a:fld>
             <a:endParaRPr lang="en-US"/>
           </a:p>
@@ -1065,7 +1065,7 @@
           <a:lstStyle/>
           <a:p>
             <a:fld id="{FC160490-1729-0543-B3C1-F32A76B1DA7A}" type="datetimeFigureOut">
-              <a:t>21/09/16</a:t>
+              <a:t>23/09/16</a:t>
             </a:fld>
             <a:endParaRPr lang="en-US"/>
           </a:p>
@@ -1351,7 +1351,7 @@
           <a:lstStyle/>
           <a:p>
             <a:fld id="{FC160490-1729-0543-B3C1-F32A76B1DA7A}" type="datetimeFigureOut">
-              <a:t>21/09/16</a:t>
+              <a:t>23/09/16</a:t>
             </a:fld>
             <a:endParaRPr lang="en-US"/>
           </a:p>
@@ -1771,7 +1771,7 @@
           <a:lstStyle/>
           <a:p>
             <a:fld id="{FC160490-1729-0543-B3C1-F32A76B1DA7A}" type="datetimeFigureOut">
-              <a:t>21/09/16</a:t>
+              <a:t>23/09/16</a:t>
             </a:fld>
             <a:endParaRPr lang="en-US"/>
           </a:p>
@@ -1887,7 +1887,7 @@
           <a:lstStyle/>
           <a:p>
             <a:fld id="{FC160490-1729-0543-B3C1-F32A76B1DA7A}" type="datetimeFigureOut">
-              <a:t>21/09/16</a:t>
+              <a:t>23/09/16</a:t>
             </a:fld>
             <a:endParaRPr lang="en-US"/>
           </a:p>
@@ -1980,7 +1980,7 @@
           <a:lstStyle/>
           <a:p>
             <a:fld id="{FC160490-1729-0543-B3C1-F32A76B1DA7A}" type="datetimeFigureOut">
-              <a:t>21/09/16</a:t>
+              <a:t>23/09/16</a:t>
             </a:fld>
             <a:endParaRPr lang="en-US"/>
           </a:p>
@@ -2255,7 +2255,7 @@
           <a:lstStyle/>
           <a:p>
             <a:fld id="{FC160490-1729-0543-B3C1-F32A76B1DA7A}" type="datetimeFigureOut">
-              <a:t>21/09/16</a:t>
+              <a:t>23/09/16</a:t>
             </a:fld>
             <a:endParaRPr lang="en-US"/>
           </a:p>
@@ -2506,7 +2506,7 @@
           <a:lstStyle/>
           <a:p>
             <a:fld id="{FC160490-1729-0543-B3C1-F32A76B1DA7A}" type="datetimeFigureOut">
-              <a:t>21/09/16</a:t>
+              <a:t>23/09/16</a:t>
             </a:fld>
             <a:endParaRPr lang="en-US"/>
           </a:p>
@@ -2717,7 +2717,7 @@
           </a:lstStyle>
           <a:p>
             <a:fld id="{FC160490-1729-0543-B3C1-F32A76B1DA7A}" type="datetimeFigureOut">
-              <a:t>21/09/16</a:t>
+              <a:t>23/09/16</a:t>
             </a:fld>
             <a:endParaRPr lang="en-US"/>
           </a:p>
@@ -7113,7 +7113,7 @@
                 <a:latin typeface="Lato Regular"/>
                 <a:cs typeface="Lato Regular"/>
               </a:rPr>
-              <a:t> . s</a:t>
+              <a:t> . g(s</a:t>
             </a:r>
             <a:r>
               <a:rPr lang="en-US" b="1" baseline="-25000">
@@ -7121,6 +7121,13 @@
                 <a:cs typeface="Lato Regular"/>
               </a:rPr>
               <a:t>i</a:t>
+            </a:r>
+            <a:r>
+              <a:rPr lang="en-US" b="1">
+                <a:latin typeface="Lato Regular"/>
+                <a:cs typeface="Lato Regular"/>
+              </a:rPr>
+              <a:t>)</a:t>
             </a:r>
           </a:p>
         </p:txBody>
@@ -13914,7 +13921,7 @@
         <p:spPr>
           <a:xfrm>
             <a:off x="3498269" y="4533728"/>
-            <a:ext cx="2241531" cy="369332"/>
+            <a:ext cx="2476395" cy="369332"/>
           </a:xfrm>
           <a:prstGeom prst="rect">
             <a:avLst/>
@@ -13973,7 +13980,7 @@
                 <a:latin typeface="Lato Regular"/>
                 <a:cs typeface="Lato Regular"/>
               </a:rPr>
-              <a:t> . s</a:t>
+              <a:t> . g(s</a:t>
             </a:r>
             <a:r>
               <a:rPr lang="en-US" b="1" baseline="-25000">
@@ -13981,6 +13988,13 @@
                 <a:cs typeface="Lato Regular"/>
               </a:rPr>
               <a:t>i</a:t>
+            </a:r>
+            <a:r>
+              <a:rPr lang="en-US" b="1">
+                <a:latin typeface="Lato Regular"/>
+                <a:cs typeface="Lato Regular"/>
+              </a:rPr>
+              <a:t>)</a:t>
             </a:r>
           </a:p>
         </p:txBody>
